--- a/demo_slides/llm_disposable_webapps_demo.pptx
+++ b/demo_slides/llm_disposable_webapps_demo.pptx
@@ -322,7 +322,7 @@
           <a:p>
             <a:fld id="{5BCAD085-E8A6-8845-BD4E-CB4CCA059FC4}" type="datetimeFigureOut">
               <a:rPr lang="en-US" smtClean="0"/>
-              <a:t>12/15/25</a:t>
+              <a:t>12/16/25</a:t>
             </a:fld>
             <a:endParaRPr lang="en-US"/>
           </a:p>
@@ -490,7 +490,7 @@
           <a:p>
             <a:fld id="{5BCAD085-E8A6-8845-BD4E-CB4CCA059FC4}" type="datetimeFigureOut">
               <a:rPr lang="en-US" smtClean="0"/>
-              <a:t>12/15/25</a:t>
+              <a:t>12/16/25</a:t>
             </a:fld>
             <a:endParaRPr lang="en-US"/>
           </a:p>
@@ -668,7 +668,7 @@
           <a:p>
             <a:fld id="{5BCAD085-E8A6-8845-BD4E-CB4CCA059FC4}" type="datetimeFigureOut">
               <a:rPr lang="en-US" smtClean="0"/>
-              <a:t>12/15/25</a:t>
+              <a:t>12/16/25</a:t>
             </a:fld>
             <a:endParaRPr lang="en-US"/>
           </a:p>
@@ -836,7 +836,7 @@
           <a:p>
             <a:fld id="{5BCAD085-E8A6-8845-BD4E-CB4CCA059FC4}" type="datetimeFigureOut">
               <a:rPr lang="en-US" smtClean="0"/>
-              <a:t>12/15/25</a:t>
+              <a:t>12/16/25</a:t>
             </a:fld>
             <a:endParaRPr lang="en-US"/>
           </a:p>
@@ -1081,7 +1081,7 @@
           <a:p>
             <a:fld id="{5BCAD085-E8A6-8845-BD4E-CB4CCA059FC4}" type="datetimeFigureOut">
               <a:rPr lang="en-US" smtClean="0"/>
-              <a:t>12/15/25</a:t>
+              <a:t>12/16/25</a:t>
             </a:fld>
             <a:endParaRPr lang="en-US"/>
           </a:p>
@@ -1366,7 +1366,7 @@
           <a:p>
             <a:fld id="{5BCAD085-E8A6-8845-BD4E-CB4CCA059FC4}" type="datetimeFigureOut">
               <a:rPr lang="en-US" smtClean="0"/>
-              <a:t>12/15/25</a:t>
+              <a:t>12/16/25</a:t>
             </a:fld>
             <a:endParaRPr lang="en-US"/>
           </a:p>
@@ -1785,7 +1785,7 @@
           <a:p>
             <a:fld id="{5BCAD085-E8A6-8845-BD4E-CB4CCA059FC4}" type="datetimeFigureOut">
               <a:rPr lang="en-US" smtClean="0"/>
-              <a:t>12/15/25</a:t>
+              <a:t>12/16/25</a:t>
             </a:fld>
             <a:endParaRPr lang="en-US"/>
           </a:p>
@@ -1902,7 +1902,7 @@
           <a:p>
             <a:fld id="{5BCAD085-E8A6-8845-BD4E-CB4CCA059FC4}" type="datetimeFigureOut">
               <a:rPr lang="en-US" smtClean="0"/>
-              <a:t>12/15/25</a:t>
+              <a:t>12/16/25</a:t>
             </a:fld>
             <a:endParaRPr lang="en-US"/>
           </a:p>
@@ -1997,7 +1997,7 @@
           <a:p>
             <a:fld id="{5BCAD085-E8A6-8845-BD4E-CB4CCA059FC4}" type="datetimeFigureOut">
               <a:rPr lang="en-US" smtClean="0"/>
-              <a:t>12/15/25</a:t>
+              <a:t>12/16/25</a:t>
             </a:fld>
             <a:endParaRPr lang="en-US"/>
           </a:p>
@@ -2272,7 +2272,7 @@
           <a:p>
             <a:fld id="{5BCAD085-E8A6-8845-BD4E-CB4CCA059FC4}" type="datetimeFigureOut">
               <a:rPr lang="en-US" smtClean="0"/>
-              <a:t>12/15/25</a:t>
+              <a:t>12/16/25</a:t>
             </a:fld>
             <a:endParaRPr lang="en-US"/>
           </a:p>
@@ -2524,7 +2524,7 @@
           <a:p>
             <a:fld id="{5BCAD085-E8A6-8845-BD4E-CB4CCA059FC4}" type="datetimeFigureOut">
               <a:rPr lang="en-US" smtClean="0"/>
-              <a:t>12/15/25</a:t>
+              <a:t>12/16/25</a:t>
             </a:fld>
             <a:endParaRPr lang="en-US"/>
           </a:p>
@@ -2735,7 +2735,7 @@
           <a:p>
             <a:fld id="{5BCAD085-E8A6-8845-BD4E-CB4CCA059FC4}" type="datetimeFigureOut">
               <a:rPr lang="en-US" smtClean="0"/>
-              <a:t>12/15/25</a:t>
+              <a:t>12/16/25</a:t>
             </a:fld>
             <a:endParaRPr lang="en-US"/>
           </a:p>
@@ -3894,6 +3894,13 @@
             </a:r>
           </a:p>
           <a:p>
+            <a:pPr lvl="1"/>
+            <a:r>
+              <a:rPr lang="en-US" dirty="0"/>
+              <a:t>These web apps are cheap and easy to make, so you can make lots of them and try lots of things</a:t>
+            </a:r>
+          </a:p>
+          <a:p>
             <a:endParaRPr dirty="0"/>
           </a:p>
         </p:txBody>
@@ -4257,12 +4264,15 @@
               <a:rPr lang="en-US" dirty="0"/>
               <a:t> columns</a:t>
             </a:r>
-            <a:endParaRPr dirty="0"/>
-          </a:p>
-          <a:p>
+          </a:p>
+          <a:p>
+            <a:r>
+              <a:rPr lang="en-US"/>
+              <a:t>Keep it </a:t>
+            </a:r>
             <a:r>
               <a:rPr lang="en-US" dirty="0"/>
-              <a:t>Ask the AI to ideate on ways to answer your questions in ways you haven’t explicitly asked for</a:t>
+              <a:t>simple, start small</a:t>
             </a:r>
             <a:endParaRPr dirty="0"/>
           </a:p>
@@ -4348,7 +4358,7 @@
             </a:pPr>
             <a:r>
               <a:rPr lang="en-US" dirty="0" err="1"/>
-              <a:t>www.github.com</a:t>
+              <a:t>github.com</a:t>
             </a:r>
             <a:r>
               <a:rPr lang="en-US" dirty="0"/>
@@ -4357,6 +4367,10 @@
             <a:r>
               <a:rPr lang="en-US" dirty="0" err="1"/>
               <a:t>conormackey</a:t>
+            </a:r>
+            <a:r>
+              <a:rPr lang="en-US" dirty="0"/>
+              <a:t>/disposable-webapps</a:t>
             </a:r>
             <a:endParaRPr dirty="0"/>
           </a:p>
